--- a/img/gallery/project-descr - small.pptx
+++ b/img/gallery/project-descr - small.pptx
@@ -6261,8 +6261,8 @@
         </p:nvSpPr>
         <p:spPr>
           <a:xfrm>
-            <a:off x="684212" y="4487332"/>
-            <a:ext cx="8534400" cy="1507067"/>
+            <a:off x="0" y="5763473"/>
+            <a:ext cx="12101565" cy="1507067"/>
           </a:xfrm>
         </p:spPr>
         <p:txBody>
@@ -6271,6 +6271,7 @@
           </a:bodyPr>
           <a:lstStyle/>
           <a:p>
+            <a:pPr algn="ctr"/>
             <a:r>
               <a:rPr lang="en-US" dirty="0">
                 <a:solidFill>
@@ -6300,8 +6301,8 @@
         </p:nvSpPr>
         <p:spPr>
           <a:xfrm>
-            <a:off x="684212" y="685800"/>
-            <a:ext cx="8534400" cy="3615267"/>
+            <a:off x="90435" y="110532"/>
+            <a:ext cx="11686233" cy="5908431"/>
           </a:xfrm>
         </p:spPr>
         <p:txBody>
@@ -6314,12 +6315,46 @@
               <a:buNone/>
             </a:pPr>
             <a:r>
-              <a:rPr lang="en-US" dirty="0">
+              <a:rPr lang="en-US" sz="2800" dirty="0" err="1">
                 <a:solidFill>
                   <a:schemeClr val="tx1"/>
                 </a:solidFill>
               </a:rPr>
-              <a:t>TBD</a:t>
+              <a:t>CrossRoads</a:t>
+            </a:r>
+            <a:r>
+              <a:rPr lang="en-US" sz="2800" dirty="0">
+                <a:solidFill>
+                  <a:schemeClr val="tx1"/>
+                </a:solidFill>
+              </a:rPr>
+              <a:t>  (XRDS) provides a single interface to search for customer information across multiple AT&amp;T data sources. It has the capability to find and verify customer contact information by searching on the address, name, or telephone number of the AT&amp;T customer. Redesigned the four main query lookup pages: Address, Telephone Number, Name, Account/SPI. </a:t>
+            </a:r>
+          </a:p>
+          <a:p>
+            <a:pPr marL="0" indent="0">
+              <a:buNone/>
+            </a:pPr>
+            <a:r>
+              <a:rPr lang="en-US" sz="2800" b="1" dirty="0">
+                <a:solidFill>
+                  <a:schemeClr val="tx1"/>
+                </a:solidFill>
+              </a:rPr>
+              <a:t>Redesigned the GUI using latest technology (AngularJS, JavaScript, HTML, CSS, MongoDB). </a:t>
+            </a:r>
+          </a:p>
+          <a:p>
+            <a:pPr marL="0" indent="0">
+              <a:buNone/>
+            </a:pPr>
+            <a:r>
+              <a:rPr lang="en-US" sz="2800" dirty="0">
+                <a:solidFill>
+                  <a:schemeClr val="tx1"/>
+                </a:solidFill>
+              </a:rPr>
+              <a:t>Merged capabilities of another application (Global Fraud Management System) into XRDs to do a customer search and finding affiliated accounts with given customer phone number, SSN, email. </a:t>
             </a:r>
           </a:p>
         </p:txBody>
@@ -6535,8 +6570,8 @@
         </p:nvSpPr>
         <p:spPr>
           <a:xfrm>
-            <a:off x="684212" y="4487332"/>
-            <a:ext cx="8534400" cy="1507067"/>
+            <a:off x="-128" y="5502215"/>
+            <a:ext cx="12068197" cy="1507067"/>
           </a:xfrm>
         </p:spPr>
         <p:txBody>
@@ -6545,13 +6580,30 @@
           </a:bodyPr>
           <a:lstStyle/>
           <a:p>
-            <a:r>
-              <a:rPr lang="en-US">
+            <a:pPr algn="ctr"/>
+            <a:r>
+              <a:rPr lang="en-US" dirty="0">
                 <a:solidFill>
                   <a:schemeClr val="tx2"/>
                 </a:solidFill>
               </a:rPr>
-              <a:t>2020 aiOpX @ AT&amp;T</a:t>
+              <a:t>2020 </a:t>
+            </a:r>
+            <a:r>
+              <a:rPr lang="en-US" dirty="0" err="1">
+                <a:solidFill>
+                  <a:schemeClr val="tx2"/>
+                </a:solidFill>
+              </a:rPr>
+              <a:t>aiOpX</a:t>
+            </a:r>
+            <a:r>
+              <a:rPr lang="en-US" dirty="0">
+                <a:solidFill>
+                  <a:schemeClr val="tx2"/>
+                </a:solidFill>
+              </a:rPr>
+              <a:t> @ AT&amp;T</a:t>
             </a:r>
           </a:p>
         </p:txBody>
@@ -6574,8 +6626,8 @@
         </p:nvSpPr>
         <p:spPr>
           <a:xfrm>
-            <a:off x="684212" y="685800"/>
-            <a:ext cx="8534400" cy="3615267"/>
+            <a:off x="71262" y="82899"/>
+            <a:ext cx="11996807" cy="5644661"/>
           </a:xfrm>
         </p:spPr>
         <p:txBody>
@@ -6588,12 +6640,43 @@
               <a:buNone/>
             </a:pPr>
             <a:r>
-              <a:rPr lang="en-US">
+              <a:rPr lang="en-US" sz="2800" dirty="0" err="1">
                 <a:solidFill>
                   <a:schemeClr val="tx1"/>
                 </a:solidFill>
               </a:rPr>
-              <a:t>TBD</a:t>
+              <a:t>aiOpX</a:t>
+            </a:r>
+            <a:r>
+              <a:rPr lang="en-US" sz="2800" dirty="0">
+                <a:solidFill>
+                  <a:schemeClr val="tx1"/>
+                </a:solidFill>
+              </a:rPr>
+              <a:t> (or Artificial Intelligence operations ‘X” – or any) is a real-time fraud monitoring application. It performs a health check on internal fraud systems and tracks errors, down time and generates metrics based on log files. There are dynamic rules that include a mitigation to when a rule is triggered. The mitigation includes responses such as sending an email to a preset distribution list (business hours vs. off hours) and paging a cell phone. </a:t>
+            </a:r>
+          </a:p>
+          <a:p>
+            <a:pPr marL="0" indent="0">
+              <a:buNone/>
+            </a:pPr>
+            <a:endParaRPr lang="en-US" sz="2800" dirty="0">
+              <a:solidFill>
+                <a:schemeClr val="tx1"/>
+              </a:solidFill>
+            </a:endParaRPr>
+          </a:p>
+          <a:p>
+            <a:pPr marL="0" indent="0">
+              <a:buNone/>
+            </a:pPr>
+            <a:r>
+              <a:rPr lang="en-US" sz="2800" b="1" dirty="0">
+                <a:solidFill>
+                  <a:schemeClr val="tx1"/>
+                </a:solidFill>
+              </a:rPr>
+              <a:t>Developed key front-end capabilities: severity cases landing page, raw JSON record view, application field type with virtual field support.</a:t>
             </a:r>
           </a:p>
         </p:txBody>

--- a/img/gallery/project-descr - small.pptx
+++ b/img/gallery/project-descr - small.pptx
@@ -314,7 +314,7 @@
           <a:p>
             <a:fld id="{07B6B594-B490-4861-8988-6047F16ED25E}" type="datetimeFigureOut">
               <a:rPr lang="en-US" smtClean="0"/>
-              <a:t>7/17/2020</a:t>
+              <a:t>7/22/2020</a:t>
             </a:fld>
             <a:endParaRPr lang="en-US"/>
           </a:p>
@@ -755,7 +755,7 @@
           <a:p>
             <a:fld id="{07B6B594-B490-4861-8988-6047F16ED25E}" type="datetimeFigureOut">
               <a:rPr lang="en-US" smtClean="0"/>
-              <a:t>7/17/2020</a:t>
+              <a:t>7/22/2020</a:t>
             </a:fld>
             <a:endParaRPr lang="en-US"/>
           </a:p>
@@ -1005,7 +1005,7 @@
           <a:p>
             <a:fld id="{07B6B594-B490-4861-8988-6047F16ED25E}" type="datetimeFigureOut">
               <a:rPr lang="en-US" smtClean="0"/>
-              <a:t>7/17/2020</a:t>
+              <a:t>7/22/2020</a:t>
             </a:fld>
             <a:endParaRPr lang="en-US"/>
           </a:p>
@@ -1313,7 +1313,7 @@
           <a:p>
             <a:fld id="{07B6B594-B490-4861-8988-6047F16ED25E}" type="datetimeFigureOut">
               <a:rPr lang="en-US" smtClean="0"/>
-              <a:t>7/17/2020</a:t>
+              <a:t>7/22/2020</a:t>
             </a:fld>
             <a:endParaRPr lang="en-US"/>
           </a:p>
@@ -1631,7 +1631,7 @@
           <a:p>
             <a:fld id="{07B6B594-B490-4861-8988-6047F16ED25E}" type="datetimeFigureOut">
               <a:rPr lang="en-US" smtClean="0"/>
-              <a:t>7/17/2020</a:t>
+              <a:t>7/22/2020</a:t>
             </a:fld>
             <a:endParaRPr lang="en-US"/>
           </a:p>
@@ -1933,7 +1933,7 @@
           <a:p>
             <a:fld id="{07B6B594-B490-4861-8988-6047F16ED25E}" type="datetimeFigureOut">
               <a:rPr lang="en-US" smtClean="0"/>
-              <a:t>7/17/2020</a:t>
+              <a:t>7/22/2020</a:t>
             </a:fld>
             <a:endParaRPr lang="en-US"/>
           </a:p>
@@ -2300,7 +2300,7 @@
           <a:p>
             <a:fld id="{07B6B594-B490-4861-8988-6047F16ED25E}" type="datetimeFigureOut">
               <a:rPr lang="en-US" smtClean="0"/>
-              <a:t>7/17/2020</a:t>
+              <a:t>7/22/2020</a:t>
             </a:fld>
             <a:endParaRPr lang="en-US"/>
           </a:p>
@@ -2474,7 +2474,7 @@
           <a:p>
             <a:fld id="{07B6B594-B490-4861-8988-6047F16ED25E}" type="datetimeFigureOut">
               <a:rPr lang="en-US" smtClean="0"/>
-              <a:t>7/17/2020</a:t>
+              <a:t>7/22/2020</a:t>
             </a:fld>
             <a:endParaRPr lang="en-US"/>
           </a:p>
@@ -2654,7 +2654,7 @@
           <a:p>
             <a:fld id="{07B6B594-B490-4861-8988-6047F16ED25E}" type="datetimeFigureOut">
               <a:rPr lang="en-US" smtClean="0"/>
-              <a:t>7/17/2020</a:t>
+              <a:t>7/22/2020</a:t>
             </a:fld>
             <a:endParaRPr lang="en-US"/>
           </a:p>
@@ -2824,7 +2824,7 @@
           <a:p>
             <a:fld id="{07B6B594-B490-4861-8988-6047F16ED25E}" type="datetimeFigureOut">
               <a:rPr lang="en-US" smtClean="0"/>
-              <a:t>7/17/2020</a:t>
+              <a:t>7/22/2020</a:t>
             </a:fld>
             <a:endParaRPr lang="en-US"/>
           </a:p>
@@ -3074,7 +3074,7 @@
           <a:p>
             <a:fld id="{07B6B594-B490-4861-8988-6047F16ED25E}" type="datetimeFigureOut">
               <a:rPr lang="en-US" smtClean="0"/>
-              <a:t>7/17/2020</a:t>
+              <a:t>7/22/2020</a:t>
             </a:fld>
             <a:endParaRPr lang="en-US"/>
           </a:p>
@@ -3310,7 +3310,7 @@
           <a:p>
             <a:fld id="{07B6B594-B490-4861-8988-6047F16ED25E}" type="datetimeFigureOut">
               <a:rPr lang="en-US" smtClean="0"/>
-              <a:t>7/17/2020</a:t>
+              <a:t>7/22/2020</a:t>
             </a:fld>
             <a:endParaRPr lang="en-US"/>
           </a:p>
@@ -3692,7 +3692,7 @@
           <a:p>
             <a:fld id="{07B6B594-B490-4861-8988-6047F16ED25E}" type="datetimeFigureOut">
               <a:rPr lang="en-US" smtClean="0"/>
-              <a:t>7/17/2020</a:t>
+              <a:t>7/22/2020</a:t>
             </a:fld>
             <a:endParaRPr lang="en-US"/>
           </a:p>
@@ -3810,7 +3810,7 @@
           <a:p>
             <a:fld id="{07B6B594-B490-4861-8988-6047F16ED25E}" type="datetimeFigureOut">
               <a:rPr lang="en-US" smtClean="0"/>
-              <a:t>7/17/2020</a:t>
+              <a:t>7/22/2020</a:t>
             </a:fld>
             <a:endParaRPr lang="en-US"/>
           </a:p>
@@ -3905,7 +3905,7 @@
           <a:p>
             <a:fld id="{07B6B594-B490-4861-8988-6047F16ED25E}" type="datetimeFigureOut">
               <a:rPr lang="en-US" smtClean="0"/>
-              <a:t>7/17/2020</a:t>
+              <a:t>7/22/2020</a:t>
             </a:fld>
             <a:endParaRPr lang="en-US"/>
           </a:p>
@@ -4165,7 +4165,7 @@
           <a:p>
             <a:fld id="{07B6B594-B490-4861-8988-6047F16ED25E}" type="datetimeFigureOut">
               <a:rPr lang="en-US" smtClean="0"/>
-              <a:t>7/17/2020</a:t>
+              <a:t>7/22/2020</a:t>
             </a:fld>
             <a:endParaRPr lang="en-US"/>
           </a:p>
@@ -4453,7 +4453,7 @@
           <a:p>
             <a:fld id="{07B6B594-B490-4861-8988-6047F16ED25E}" type="datetimeFigureOut">
               <a:rPr lang="en-US" smtClean="0"/>
-              <a:t>7/17/2020</a:t>
+              <a:t>7/22/2020</a:t>
             </a:fld>
             <a:endParaRPr lang="en-US"/>
           </a:p>
@@ -4859,7 +4859,7 @@
           <a:p>
             <a:fld id="{07B6B594-B490-4861-8988-6047F16ED25E}" type="datetimeFigureOut">
               <a:rPr lang="en-US" smtClean="0"/>
-              <a:t>7/17/2020</a:t>
+              <a:t>7/22/2020</a:t>
             </a:fld>
             <a:endParaRPr lang="en-US"/>
           </a:p>
@@ -6653,7 +6653,7 @@
                   <a:schemeClr val="tx1"/>
                 </a:solidFill>
               </a:rPr>
-              <a:t> (or Artificial Intelligence operations ‘X” – or any) is a real-time fraud monitoring application. It performs a health check on internal fraud systems and tracks errors, down time and generates metrics based on log files. There are dynamic rules that include a mitigation to when a rule is triggered. The mitigation includes responses such as sending an email to a preset distribution list (business hours vs. off hours) and paging a cell phone. </a:t>
+              <a:t> (or Artificial Intelligence Operations ‘X” – or any) is a real-time fraud monitoring application. It performs a health check on internal fraud systems and tracks errors, down time and generates metrics based on log files. There are dynamic rules that include a mitigation to when a rule is triggered. The mitigation includes responses such as sending an email to a preset distribution list (business hours vs. off hours) and paging a cell phone. </a:t>
             </a:r>
           </a:p>
           <a:p>
